--- a/Documentation/presentation.pptx
+++ b/Documentation/presentation.pptx
@@ -1728,11 +1728,11 @@
   <p:clrMapOvr>
     <a:masterClrMapping/>
   </p:clrMapOvr>
-  <mc:AlternateContent xmlns:mc="http://schemas.openxmlformats.org/markup-compatibility/2006">
-    <mc:Choice xmlns:p14="http://schemas.microsoft.com/office/powerpoint/2010/main" Requires="p14">
+  <mc:AlternateContent xmlns:mc="http://schemas.openxmlformats.org/markup-compatibility/2006" xmlns:p14="http://schemas.microsoft.com/office/powerpoint/2010/main">
+    <mc:Choice Requires="p14">
       <p:transition p14:dur="10"/>
     </mc:Choice>
-    <mc:Fallback>
+    <mc:Fallback xmlns="">
       <p:transition/>
     </mc:Fallback>
   </mc:AlternateContent>
@@ -5236,8 +5236,8 @@
               <a:t>Язык </a:t>
             </a:r>
             <a:r>
-              <a:rPr lang="en-US" sz="2800" dirty="0"/>
-              <a:t>C.</a:t>
+              <a:rPr lang="en-US" sz="2800"/>
+              <a:t>C++.</a:t>
             </a:r>
             <a:endParaRPr lang="ru-RU" sz="2800" dirty="0"/>
           </a:p>
